--- a/figures/motivating-example-clustering.pptx
+++ b/figures/motivating-example-clustering.pptx
@@ -243,7 +243,7 @@
           <a:p>
             <a:fld id="{2E4D4D00-3F8B-46B7-A948-703FC942F71C}" type="datetimeFigureOut">
               <a:rPr lang="en-US" smtClean="0"/>
-              <a:t>9/10/2025</a:t>
+              <a:t>9/14/2025</a:t>
             </a:fld>
             <a:endParaRPr lang="en-US"/>
           </a:p>
@@ -413,7 +413,7 @@
           <a:p>
             <a:fld id="{2E4D4D00-3F8B-46B7-A948-703FC942F71C}" type="datetimeFigureOut">
               <a:rPr lang="en-US" smtClean="0"/>
-              <a:t>9/10/2025</a:t>
+              <a:t>9/14/2025</a:t>
             </a:fld>
             <a:endParaRPr lang="en-US"/>
           </a:p>
@@ -593,7 +593,7 @@
           <a:p>
             <a:fld id="{2E4D4D00-3F8B-46B7-A948-703FC942F71C}" type="datetimeFigureOut">
               <a:rPr lang="en-US" smtClean="0"/>
-              <a:t>9/10/2025</a:t>
+              <a:t>9/14/2025</a:t>
             </a:fld>
             <a:endParaRPr lang="en-US"/>
           </a:p>
@@ -763,7 +763,7 @@
           <a:p>
             <a:fld id="{2E4D4D00-3F8B-46B7-A948-703FC942F71C}" type="datetimeFigureOut">
               <a:rPr lang="en-US" smtClean="0"/>
-              <a:t>9/10/2025</a:t>
+              <a:t>9/14/2025</a:t>
             </a:fld>
             <a:endParaRPr lang="en-US"/>
           </a:p>
@@ -1009,7 +1009,7 @@
           <a:p>
             <a:fld id="{2E4D4D00-3F8B-46B7-A948-703FC942F71C}" type="datetimeFigureOut">
               <a:rPr lang="en-US" smtClean="0"/>
-              <a:t>9/10/2025</a:t>
+              <a:t>9/14/2025</a:t>
             </a:fld>
             <a:endParaRPr lang="en-US"/>
           </a:p>
@@ -1241,7 +1241,7 @@
           <a:p>
             <a:fld id="{2E4D4D00-3F8B-46B7-A948-703FC942F71C}" type="datetimeFigureOut">
               <a:rPr lang="en-US" smtClean="0"/>
-              <a:t>9/10/2025</a:t>
+              <a:t>9/14/2025</a:t>
             </a:fld>
             <a:endParaRPr lang="en-US"/>
           </a:p>
@@ -1608,7 +1608,7 @@
           <a:p>
             <a:fld id="{2E4D4D00-3F8B-46B7-A948-703FC942F71C}" type="datetimeFigureOut">
               <a:rPr lang="en-US" smtClean="0"/>
-              <a:t>9/10/2025</a:t>
+              <a:t>9/14/2025</a:t>
             </a:fld>
             <a:endParaRPr lang="en-US"/>
           </a:p>
@@ -1726,7 +1726,7 @@
           <a:p>
             <a:fld id="{2E4D4D00-3F8B-46B7-A948-703FC942F71C}" type="datetimeFigureOut">
               <a:rPr lang="en-US" smtClean="0"/>
-              <a:t>9/10/2025</a:t>
+              <a:t>9/14/2025</a:t>
             </a:fld>
             <a:endParaRPr lang="en-US"/>
           </a:p>
@@ -1821,7 +1821,7 @@
           <a:p>
             <a:fld id="{2E4D4D00-3F8B-46B7-A948-703FC942F71C}" type="datetimeFigureOut">
               <a:rPr lang="en-US" smtClean="0"/>
-              <a:t>9/10/2025</a:t>
+              <a:t>9/14/2025</a:t>
             </a:fld>
             <a:endParaRPr lang="en-US"/>
           </a:p>
@@ -2098,7 +2098,7 @@
           <a:p>
             <a:fld id="{2E4D4D00-3F8B-46B7-A948-703FC942F71C}" type="datetimeFigureOut">
               <a:rPr lang="en-US" smtClean="0"/>
-              <a:t>9/10/2025</a:t>
+              <a:t>9/14/2025</a:t>
             </a:fld>
             <a:endParaRPr lang="en-US"/>
           </a:p>
@@ -2355,7 +2355,7 @@
           <a:p>
             <a:fld id="{2E4D4D00-3F8B-46B7-A948-703FC942F71C}" type="datetimeFigureOut">
               <a:rPr lang="en-US" smtClean="0"/>
-              <a:t>9/10/2025</a:t>
+              <a:t>9/14/2025</a:t>
             </a:fld>
             <a:endParaRPr lang="en-US"/>
           </a:p>
@@ -2568,7 +2568,7 @@
           <a:p>
             <a:fld id="{2E4D4D00-3F8B-46B7-A948-703FC942F71C}" type="datetimeFigureOut">
               <a:rPr lang="en-US" smtClean="0"/>
-              <a:t>9/10/2025</a:t>
+              <a:t>9/14/2025</a:t>
             </a:fld>
             <a:endParaRPr lang="en-US"/>
           </a:p>
@@ -3064,10 +3064,10 @@
                     <a:ea typeface="Linux Libertine" panose="02000503000000000000" pitchFamily="2" charset="0"/>
                     <a:cs typeface="Linux Libertine" panose="02000503000000000000" pitchFamily="2" charset="0"/>
                   </a:rPr>
-                  <a:t>JSON Fields (</a:t>
-                </a:r>
-                <a:r>
-                  <a:rPr lang="en-US" altLang="zh-CN" sz="1200" b="1" kern="0" dirty="0" err="1">
+                  <a:t>JSON Fields </a:t>
+                </a:r>
+                <a:r>
+                  <a:rPr lang="en-US" altLang="zh-CN" sz="1200" b="1" kern="0">
                     <a:solidFill>
                       <a:prstClr val="white"/>
                     </a:solidFill>
@@ -3075,7 +3075,7 @@
                     <a:ea typeface="Linux Libertine" panose="02000503000000000000" pitchFamily="2" charset="0"/>
                     <a:cs typeface="Linux Libertine" panose="02000503000000000000" pitchFamily="2" charset="0"/>
                   </a:rPr>
-                  <a:t>cancelOrder</a:t>
+                  <a:t>(refund </a:t>
                 </a:r>
                 <a:r>
                   <a:rPr lang="en-US" altLang="zh-CN" sz="1200" b="1" kern="0" dirty="0">
@@ -3086,7 +3086,7 @@
                     <a:ea typeface="Linux Libertine" panose="02000503000000000000" pitchFamily="2" charset="0"/>
                     <a:cs typeface="Linux Libertine" panose="02000503000000000000" pitchFamily="2" charset="0"/>
                   </a:rPr>
-                  <a:t> - </a:t>
+                  <a:t>- </a:t>
                 </a:r>
                 <a:r>
                   <a:rPr lang="en-US" altLang="zh-CN" sz="1200" b="1" kern="0" dirty="0" err="1">
